--- a/week 5/PREDICTING THE PRICES OF AIRBNB IN NEW YORK.pptx
+++ b/week 5/PREDICTING THE PRICES OF AIRBNB IN NEW YORK.pptx
@@ -4836,8 +4836,13 @@
           <a:p>
             <a:r>
               <a:rPr lang="en-US" sz="6800" dirty="0"/>
-              <a:t>PREDICTING THE PRICES OF AIRBNB IN NEW YORK CITY</a:t>
-            </a:r>
+              <a:t>PREDICTING THE PRICES OF AIRBNB IN NEW </a:t>
+            </a:r>
+            <a:r>
+              <a:rPr lang="en-US" sz="6800"/>
+              <a:t>YORK CITY</a:t>
+            </a:r>
+            <a:endParaRPr lang="en-US" sz="6800" dirty="0"/>
           </a:p>
         </p:txBody>
       </p:sp>
@@ -4875,8 +4880,12 @@
               </a:spcAft>
             </a:pPr>
             <a:r>
+              <a:rPr lang="en-US" sz="1800"/>
+              <a:t>Author - Tran </a:t>
+            </a:r>
+            <a:r>
               <a:rPr lang="en-US" sz="1800" dirty="0"/>
-              <a:t>Sit Dolor Amet</a:t>
+              <a:t>Tuan Vu</a:t>
             </a:r>
           </a:p>
         </p:txBody>
